--- a/pptx/こんな趣味いかがですか.pptx
+++ b/pptx/こんな趣味いかがですか.pptx
@@ -4,12 +4,20 @@
   <p:sldMasterIdLst>
     <p:sldMasterId id="2147483648" r:id="rId1"/>
   </p:sldMasterIdLst>
+  <p:notesMasterIdLst>
+    <p:notesMasterId r:id="rId12"/>
+  </p:notesMasterIdLst>
   <p:sldIdLst>
     <p:sldId id="256" r:id="rId2"/>
-    <p:sldId id="257" r:id="rId3"/>
-    <p:sldId id="258" r:id="rId4"/>
-    <p:sldId id="259" r:id="rId5"/>
-    <p:sldId id="260" r:id="rId6"/>
+    <p:sldId id="269" r:id="rId3"/>
+    <p:sldId id="270" r:id="rId4"/>
+    <p:sldId id="271" r:id="rId5"/>
+    <p:sldId id="273" r:id="rId6"/>
+    <p:sldId id="267" r:id="rId7"/>
+    <p:sldId id="272" r:id="rId8"/>
+    <p:sldId id="259" r:id="rId9"/>
+    <p:sldId id="274" r:id="rId10"/>
+    <p:sldId id="260" r:id="rId11"/>
   </p:sldIdLst>
   <p:sldSz cx="12192000" cy="6858000"/>
   <p:notesSz cx="6858000" cy="9144000"/>
@@ -125,6 +133,471 @@
     </p:ext>
   </p:extLst>
 </p:presentation>
+</file>
+
+<file path=ppt/notesMasters/notesMaster1.xml><?xml version="1.0" encoding="utf-8"?>
+<p:notesMaster xmlns:a="http://schemas.openxmlformats.org/drawingml/2006/main" xmlns:r="http://schemas.openxmlformats.org/officeDocument/2006/relationships" xmlns:p="http://schemas.openxmlformats.org/presentationml/2006/main">
+  <p:cSld>
+    <p:bg>
+      <p:bgRef idx="1001">
+        <a:schemeClr val="bg1"/>
+      </p:bgRef>
+    </p:bg>
+    <p:spTree>
+      <p:nvGrpSpPr>
+        <p:cNvPr id="1" name=""/>
+        <p:cNvGrpSpPr/>
+        <p:nvPr/>
+      </p:nvGrpSpPr>
+      <p:grpSpPr>
+        <a:xfrm>
+          <a:off x="0" y="0"/>
+          <a:ext cx="0" cy="0"/>
+          <a:chOff x="0" y="0"/>
+          <a:chExt cx="0" cy="0"/>
+        </a:xfrm>
+      </p:grpSpPr>
+      <p:sp>
+        <p:nvSpPr>
+          <p:cNvPr id="2" name="ヘッダー プレースホルダー 1"/>
+          <p:cNvSpPr>
+            <a:spLocks noGrp="1"/>
+          </p:cNvSpPr>
+          <p:nvPr>
+            <p:ph type="hdr" sz="quarter"/>
+          </p:nvPr>
+        </p:nvSpPr>
+        <p:spPr>
+          <a:xfrm>
+            <a:off x="0" y="0"/>
+            <a:ext cx="2971800" cy="458788"/>
+          </a:xfrm>
+          <a:prstGeom prst="rect">
+            <a:avLst/>
+          </a:prstGeom>
+        </p:spPr>
+        <p:txBody>
+          <a:bodyPr vert="horz" lIns="91440" tIns="45720" rIns="91440" bIns="45720" rtlCol="0"/>
+          <a:lstStyle>
+            <a:lvl1pPr algn="l">
+              <a:defRPr sz="1200"/>
+            </a:lvl1pPr>
+          </a:lstStyle>
+          <a:p>
+            <a:endParaRPr kumimoji="1" lang="ja-JP" altLang="en-US"/>
+          </a:p>
+        </p:txBody>
+      </p:sp>
+      <p:sp>
+        <p:nvSpPr>
+          <p:cNvPr id="3" name="日付プレースホルダー 2"/>
+          <p:cNvSpPr>
+            <a:spLocks noGrp="1"/>
+          </p:cNvSpPr>
+          <p:nvPr>
+            <p:ph type="dt" idx="1"/>
+          </p:nvPr>
+        </p:nvSpPr>
+        <p:spPr>
+          <a:xfrm>
+            <a:off x="3884613" y="0"/>
+            <a:ext cx="2971800" cy="458788"/>
+          </a:xfrm>
+          <a:prstGeom prst="rect">
+            <a:avLst/>
+          </a:prstGeom>
+        </p:spPr>
+        <p:txBody>
+          <a:bodyPr vert="horz" lIns="91440" tIns="45720" rIns="91440" bIns="45720" rtlCol="0"/>
+          <a:lstStyle>
+            <a:lvl1pPr algn="r">
+              <a:defRPr sz="1200"/>
+            </a:lvl1pPr>
+          </a:lstStyle>
+          <a:p>
+            <a:fld id="{FD4DA557-B927-4445-B6B8-2603875CA38E}" type="datetimeFigureOut">
+              <a:rPr kumimoji="1" lang="ja-JP" altLang="en-US" smtClean="0"/>
+              <a:t>2018/5/5</a:t>
+            </a:fld>
+            <a:endParaRPr kumimoji="1" lang="ja-JP" altLang="en-US"/>
+          </a:p>
+        </p:txBody>
+      </p:sp>
+      <p:sp>
+        <p:nvSpPr>
+          <p:cNvPr id="4" name="スライド イメージ プレースホルダー 3"/>
+          <p:cNvSpPr>
+            <a:spLocks noGrp="1" noRot="1" noChangeAspect="1"/>
+          </p:cNvSpPr>
+          <p:nvPr>
+            <p:ph type="sldImg" idx="2"/>
+          </p:nvPr>
+        </p:nvSpPr>
+        <p:spPr>
+          <a:xfrm>
+            <a:off x="685800" y="1143000"/>
+            <a:ext cx="5486400" cy="3086100"/>
+          </a:xfrm>
+          <a:prstGeom prst="rect">
+            <a:avLst/>
+          </a:prstGeom>
+          <a:noFill/>
+          <a:ln w="12700">
+            <a:solidFill>
+              <a:prstClr val="black"/>
+            </a:solidFill>
+          </a:ln>
+        </p:spPr>
+        <p:txBody>
+          <a:bodyPr vert="horz" lIns="91440" tIns="45720" rIns="91440" bIns="45720" rtlCol="0" anchor="ctr"/>
+          <a:lstStyle/>
+          <a:p>
+            <a:endParaRPr lang="ja-JP" altLang="en-US"/>
+          </a:p>
+        </p:txBody>
+      </p:sp>
+      <p:sp>
+        <p:nvSpPr>
+          <p:cNvPr id="5" name="ノート プレースホルダー 4"/>
+          <p:cNvSpPr>
+            <a:spLocks noGrp="1"/>
+          </p:cNvSpPr>
+          <p:nvPr>
+            <p:ph type="body" sz="quarter" idx="3"/>
+          </p:nvPr>
+        </p:nvSpPr>
+        <p:spPr>
+          <a:xfrm>
+            <a:off x="685800" y="4400550"/>
+            <a:ext cx="5486400" cy="3600450"/>
+          </a:xfrm>
+          <a:prstGeom prst="rect">
+            <a:avLst/>
+          </a:prstGeom>
+        </p:spPr>
+        <p:txBody>
+          <a:bodyPr vert="horz" lIns="91440" tIns="45720" rIns="91440" bIns="45720" rtlCol="0"/>
+          <a:lstStyle/>
+          <a:p>
+            <a:pPr lvl="0"/>
+            <a:r>
+              <a:rPr kumimoji="1" lang="ja-JP" altLang="en-US"/>
+              <a:t>マスター テキストの書式設定</a:t>
+            </a:r>
+          </a:p>
+          <a:p>
+            <a:pPr lvl="1"/>
+            <a:r>
+              <a:rPr kumimoji="1" lang="ja-JP" altLang="en-US"/>
+              <a:t>第 </a:t>
+            </a:r>
+            <a:r>
+              <a:rPr kumimoji="1" lang="en-US" altLang="ja-JP"/>
+              <a:t>2 </a:t>
+            </a:r>
+            <a:r>
+              <a:rPr kumimoji="1" lang="ja-JP" altLang="en-US"/>
+              <a:t>レベル</a:t>
+            </a:r>
+          </a:p>
+          <a:p>
+            <a:pPr lvl="2"/>
+            <a:r>
+              <a:rPr kumimoji="1" lang="ja-JP" altLang="en-US"/>
+              <a:t>第 </a:t>
+            </a:r>
+            <a:r>
+              <a:rPr kumimoji="1" lang="en-US" altLang="ja-JP"/>
+              <a:t>3 </a:t>
+            </a:r>
+            <a:r>
+              <a:rPr kumimoji="1" lang="ja-JP" altLang="en-US"/>
+              <a:t>レベル</a:t>
+            </a:r>
+          </a:p>
+          <a:p>
+            <a:pPr lvl="3"/>
+            <a:r>
+              <a:rPr kumimoji="1" lang="ja-JP" altLang="en-US"/>
+              <a:t>第 </a:t>
+            </a:r>
+            <a:r>
+              <a:rPr kumimoji="1" lang="en-US" altLang="ja-JP"/>
+              <a:t>4 </a:t>
+            </a:r>
+            <a:r>
+              <a:rPr kumimoji="1" lang="ja-JP" altLang="en-US"/>
+              <a:t>レベル</a:t>
+            </a:r>
+          </a:p>
+          <a:p>
+            <a:pPr lvl="4"/>
+            <a:r>
+              <a:rPr kumimoji="1" lang="ja-JP" altLang="en-US"/>
+              <a:t>第 </a:t>
+            </a:r>
+            <a:r>
+              <a:rPr kumimoji="1" lang="en-US" altLang="ja-JP"/>
+              <a:t>5 </a:t>
+            </a:r>
+            <a:r>
+              <a:rPr kumimoji="1" lang="ja-JP" altLang="en-US"/>
+              <a:t>レベル</a:t>
+            </a:r>
+          </a:p>
+        </p:txBody>
+      </p:sp>
+      <p:sp>
+        <p:nvSpPr>
+          <p:cNvPr id="6" name="フッター プレースホルダー 5"/>
+          <p:cNvSpPr>
+            <a:spLocks noGrp="1"/>
+          </p:cNvSpPr>
+          <p:nvPr>
+            <p:ph type="ftr" sz="quarter" idx="4"/>
+          </p:nvPr>
+        </p:nvSpPr>
+        <p:spPr>
+          <a:xfrm>
+            <a:off x="0" y="8685213"/>
+            <a:ext cx="2971800" cy="458787"/>
+          </a:xfrm>
+          <a:prstGeom prst="rect">
+            <a:avLst/>
+          </a:prstGeom>
+        </p:spPr>
+        <p:txBody>
+          <a:bodyPr vert="horz" lIns="91440" tIns="45720" rIns="91440" bIns="45720" rtlCol="0" anchor="b"/>
+          <a:lstStyle>
+            <a:lvl1pPr algn="l">
+              <a:defRPr sz="1200"/>
+            </a:lvl1pPr>
+          </a:lstStyle>
+          <a:p>
+            <a:endParaRPr kumimoji="1" lang="ja-JP" altLang="en-US"/>
+          </a:p>
+        </p:txBody>
+      </p:sp>
+      <p:sp>
+        <p:nvSpPr>
+          <p:cNvPr id="7" name="スライド番号プレースホルダー 6"/>
+          <p:cNvSpPr>
+            <a:spLocks noGrp="1"/>
+          </p:cNvSpPr>
+          <p:nvPr>
+            <p:ph type="sldNum" sz="quarter" idx="5"/>
+          </p:nvPr>
+        </p:nvSpPr>
+        <p:spPr>
+          <a:xfrm>
+            <a:off x="3884613" y="8685213"/>
+            <a:ext cx="2971800" cy="458787"/>
+          </a:xfrm>
+          <a:prstGeom prst="rect">
+            <a:avLst/>
+          </a:prstGeom>
+        </p:spPr>
+        <p:txBody>
+          <a:bodyPr vert="horz" lIns="91440" tIns="45720" rIns="91440" bIns="45720" rtlCol="0" anchor="b"/>
+          <a:lstStyle>
+            <a:lvl1pPr algn="r">
+              <a:defRPr sz="1200"/>
+            </a:lvl1pPr>
+          </a:lstStyle>
+          <a:p>
+            <a:fld id="{463EC8EA-6BE5-4FB7-BD51-7B5151444B37}" type="slidenum">
+              <a:rPr kumimoji="1" lang="ja-JP" altLang="en-US" smtClean="0"/>
+              <a:t>‹#›</a:t>
+            </a:fld>
+            <a:endParaRPr kumimoji="1" lang="ja-JP" altLang="en-US"/>
+          </a:p>
+        </p:txBody>
+      </p:sp>
+    </p:spTree>
+    <p:extLst>
+      <p:ext uri="{BB962C8B-B14F-4D97-AF65-F5344CB8AC3E}">
+        <p14:creationId xmlns:p14="http://schemas.microsoft.com/office/powerpoint/2010/main" val="1539636066"/>
+      </p:ext>
+    </p:extLst>
+  </p:cSld>
+  <p:clrMap bg1="lt1" tx1="dk1" bg2="lt2" tx2="dk2" accent1="accent1" accent2="accent2" accent3="accent3" accent4="accent4" accent5="accent5" accent6="accent6" hlink="hlink" folHlink="folHlink"/>
+  <p:notesStyle>
+    <a:lvl1pPr marL="0" algn="l" defTabSz="914400" rtl="0" eaLnBrk="1" latinLnBrk="0" hangingPunct="1">
+      <a:defRPr kumimoji="1" sz="1200" kern="1200">
+        <a:solidFill>
+          <a:schemeClr val="tx1"/>
+        </a:solidFill>
+        <a:latin typeface="+mn-lt"/>
+        <a:ea typeface="+mn-ea"/>
+        <a:cs typeface="+mn-cs"/>
+      </a:defRPr>
+    </a:lvl1pPr>
+    <a:lvl2pPr marL="457200" algn="l" defTabSz="914400" rtl="0" eaLnBrk="1" latinLnBrk="0" hangingPunct="1">
+      <a:defRPr kumimoji="1" sz="1200" kern="1200">
+        <a:solidFill>
+          <a:schemeClr val="tx1"/>
+        </a:solidFill>
+        <a:latin typeface="+mn-lt"/>
+        <a:ea typeface="+mn-ea"/>
+        <a:cs typeface="+mn-cs"/>
+      </a:defRPr>
+    </a:lvl2pPr>
+    <a:lvl3pPr marL="914400" algn="l" defTabSz="914400" rtl="0" eaLnBrk="1" latinLnBrk="0" hangingPunct="1">
+      <a:defRPr kumimoji="1" sz="1200" kern="1200">
+        <a:solidFill>
+          <a:schemeClr val="tx1"/>
+        </a:solidFill>
+        <a:latin typeface="+mn-lt"/>
+        <a:ea typeface="+mn-ea"/>
+        <a:cs typeface="+mn-cs"/>
+      </a:defRPr>
+    </a:lvl3pPr>
+    <a:lvl4pPr marL="1371600" algn="l" defTabSz="914400" rtl="0" eaLnBrk="1" latinLnBrk="0" hangingPunct="1">
+      <a:defRPr kumimoji="1" sz="1200" kern="1200">
+        <a:solidFill>
+          <a:schemeClr val="tx1"/>
+        </a:solidFill>
+        <a:latin typeface="+mn-lt"/>
+        <a:ea typeface="+mn-ea"/>
+        <a:cs typeface="+mn-cs"/>
+      </a:defRPr>
+    </a:lvl4pPr>
+    <a:lvl5pPr marL="1828800" algn="l" defTabSz="914400" rtl="0" eaLnBrk="1" latinLnBrk="0" hangingPunct="1">
+      <a:defRPr kumimoji="1" sz="1200" kern="1200">
+        <a:solidFill>
+          <a:schemeClr val="tx1"/>
+        </a:solidFill>
+        <a:latin typeface="+mn-lt"/>
+        <a:ea typeface="+mn-ea"/>
+        <a:cs typeface="+mn-cs"/>
+      </a:defRPr>
+    </a:lvl5pPr>
+    <a:lvl6pPr marL="2286000" algn="l" defTabSz="914400" rtl="0" eaLnBrk="1" latinLnBrk="0" hangingPunct="1">
+      <a:defRPr kumimoji="1" sz="1200" kern="1200">
+        <a:solidFill>
+          <a:schemeClr val="tx1"/>
+        </a:solidFill>
+        <a:latin typeface="+mn-lt"/>
+        <a:ea typeface="+mn-ea"/>
+        <a:cs typeface="+mn-cs"/>
+      </a:defRPr>
+    </a:lvl6pPr>
+    <a:lvl7pPr marL="2743200" algn="l" defTabSz="914400" rtl="0" eaLnBrk="1" latinLnBrk="0" hangingPunct="1">
+      <a:defRPr kumimoji="1" sz="1200" kern="1200">
+        <a:solidFill>
+          <a:schemeClr val="tx1"/>
+        </a:solidFill>
+        <a:latin typeface="+mn-lt"/>
+        <a:ea typeface="+mn-ea"/>
+        <a:cs typeface="+mn-cs"/>
+      </a:defRPr>
+    </a:lvl7pPr>
+    <a:lvl8pPr marL="3200400" algn="l" defTabSz="914400" rtl="0" eaLnBrk="1" latinLnBrk="0" hangingPunct="1">
+      <a:defRPr kumimoji="1" sz="1200" kern="1200">
+        <a:solidFill>
+          <a:schemeClr val="tx1"/>
+        </a:solidFill>
+        <a:latin typeface="+mn-lt"/>
+        <a:ea typeface="+mn-ea"/>
+        <a:cs typeface="+mn-cs"/>
+      </a:defRPr>
+    </a:lvl8pPr>
+    <a:lvl9pPr marL="3657600" algn="l" defTabSz="914400" rtl="0" eaLnBrk="1" latinLnBrk="0" hangingPunct="1">
+      <a:defRPr kumimoji="1" sz="1200" kern="1200">
+        <a:solidFill>
+          <a:schemeClr val="tx1"/>
+        </a:solidFill>
+        <a:latin typeface="+mn-lt"/>
+        <a:ea typeface="+mn-ea"/>
+        <a:cs typeface="+mn-cs"/>
+      </a:defRPr>
+    </a:lvl9pPr>
+  </p:notesStyle>
+</p:notesMaster>
+</file>
+
+<file path=ppt/notesSlides/notesSlide1.xml><?xml version="1.0" encoding="utf-8"?>
+<p:notes xmlns:a="http://schemas.openxmlformats.org/drawingml/2006/main" xmlns:r="http://schemas.openxmlformats.org/officeDocument/2006/relationships" xmlns:p="http://schemas.openxmlformats.org/presentationml/2006/main">
+  <p:cSld>
+    <p:spTree>
+      <p:nvGrpSpPr>
+        <p:cNvPr id="1" name=""/>
+        <p:cNvGrpSpPr/>
+        <p:nvPr/>
+      </p:nvGrpSpPr>
+      <p:grpSpPr>
+        <a:xfrm>
+          <a:off x="0" y="0"/>
+          <a:ext cx="0" cy="0"/>
+          <a:chOff x="0" y="0"/>
+          <a:chExt cx="0" cy="0"/>
+        </a:xfrm>
+      </p:grpSpPr>
+      <p:sp>
+        <p:nvSpPr>
+          <p:cNvPr id="2" name="スライド イメージ プレースホルダー 1"/>
+          <p:cNvSpPr>
+            <a:spLocks noGrp="1" noRot="1" noChangeAspect="1"/>
+          </p:cNvSpPr>
+          <p:nvPr>
+            <p:ph type="sldImg"/>
+          </p:nvPr>
+        </p:nvSpPr>
+        <p:spPr/>
+      </p:sp>
+      <p:sp>
+        <p:nvSpPr>
+          <p:cNvPr id="3" name="ノート プレースホルダー 2"/>
+          <p:cNvSpPr>
+            <a:spLocks noGrp="1"/>
+          </p:cNvSpPr>
+          <p:nvPr>
+            <p:ph type="body" idx="1"/>
+          </p:nvPr>
+        </p:nvSpPr>
+        <p:spPr/>
+        <p:txBody>
+          <a:bodyPr/>
+          <a:lstStyle/>
+          <a:p>
+            <a:endParaRPr kumimoji="1" lang="ja-JP" altLang="en-US" dirty="0"/>
+          </a:p>
+        </p:txBody>
+      </p:sp>
+      <p:sp>
+        <p:nvSpPr>
+          <p:cNvPr id="4" name="スライド番号プレースホルダー 3"/>
+          <p:cNvSpPr>
+            <a:spLocks noGrp="1"/>
+          </p:cNvSpPr>
+          <p:nvPr>
+            <p:ph type="sldNum" sz="quarter" idx="10"/>
+          </p:nvPr>
+        </p:nvSpPr>
+        <p:spPr/>
+        <p:txBody>
+          <a:bodyPr/>
+          <a:lstStyle/>
+          <a:p>
+            <a:fld id="{463EC8EA-6BE5-4FB7-BD51-7B5151444B37}" type="slidenum">
+              <a:rPr kumimoji="1" lang="ja-JP" altLang="en-US" smtClean="0"/>
+              <a:t>7</a:t>
+            </a:fld>
+            <a:endParaRPr kumimoji="1" lang="ja-JP" altLang="en-US"/>
+          </a:p>
+        </p:txBody>
+      </p:sp>
+    </p:spTree>
+    <p:extLst>
+      <p:ext uri="{BB962C8B-B14F-4D97-AF65-F5344CB8AC3E}">
+        <p14:creationId xmlns:p14="http://schemas.microsoft.com/office/powerpoint/2010/main" val="3981298016"/>
+      </p:ext>
+    </p:extLst>
+  </p:cSld>
+  <p:clrMapOvr>
+    <a:masterClrMapping/>
+  </p:clrMapOvr>
+</p:notes>
 </file>
 
 <file path=ppt/slideLayouts/slideLayout1.xml><?xml version="1.0" encoding="utf-8"?>
@@ -3642,35 +4115,43 @@
             <a:spLocks noGrp="1"/>
           </p:cNvSpPr>
           <p:nvPr>
-            <p:ph type="ctrTitle"/>
+            <p:ph type="title"/>
           </p:nvPr>
         </p:nvSpPr>
         <p:spPr/>
         <p:txBody>
-          <a:bodyPr/>
-          <a:lstStyle/>
-          <a:p>
-            <a:r>
-              <a:rPr kumimoji="1" lang="ja-JP" altLang="en-US" dirty="0"/>
-              <a:t>こんな趣味いかがですか</a:t>
-            </a:r>
-          </a:p>
-        </p:txBody>
-      </p:sp>
-      <p:sp>
-        <p:nvSpPr>
-          <p:cNvPr id="3" name="字幕 2">
-            <a:extLst>
-              <a:ext uri="{FF2B5EF4-FFF2-40B4-BE49-F238E27FC236}">
-                <a16:creationId xmlns:a16="http://schemas.microsoft.com/office/drawing/2014/main" id="{1F25590A-D7C7-48BE-8B6D-7196141ED827}"/>
-              </a:ext>
-            </a:extLst>
-          </p:cNvPr>
-          <p:cNvSpPr>
-            <a:spLocks noGrp="1"/>
-          </p:cNvSpPr>
-          <p:nvPr>
-            <p:ph type="subTitle" idx="1"/>
+          <a:bodyPr>
+            <a:normAutofit/>
+          </a:bodyPr>
+          <a:lstStyle/>
+          <a:p>
+            <a:pPr algn="ctr"/>
+            <a:r>
+              <a:rPr kumimoji="1" lang="en-US" altLang="ja-JP" sz="7200" dirty="0"/>
+              <a:t>Team</a:t>
+            </a:r>
+            <a:r>
+              <a:rPr kumimoji="1" lang="en-US" altLang="ja-JP" sz="7200" baseline="0" dirty="0"/>
+              <a:t> C</a:t>
+            </a:r>
+            <a:endParaRPr kumimoji="1" lang="ja-JP" altLang="en-US" sz="7200" dirty="0"/>
+          </a:p>
+        </p:txBody>
+      </p:sp>
+      <p:sp>
+        <p:nvSpPr>
+          <p:cNvPr id="4" name="テキスト プレースホルダー 3">
+            <a:extLst>
+              <a:ext uri="{FF2B5EF4-FFF2-40B4-BE49-F238E27FC236}">
+                <a16:creationId xmlns:a16="http://schemas.microsoft.com/office/drawing/2014/main" id="{04DED198-3508-411D-B264-86DB08D58054}"/>
+              </a:ext>
+            </a:extLst>
+          </p:cNvPr>
+          <p:cNvSpPr>
+            <a:spLocks noGrp="1"/>
+          </p:cNvSpPr>
+          <p:nvPr>
+            <p:ph type="body" idx="1"/>
           </p:nvPr>
         </p:nvSpPr>
         <p:spPr/>
@@ -3678,11 +4159,7 @@
           <a:bodyPr/>
           <a:lstStyle/>
           <a:p>
-            <a:r>
-              <a:rPr kumimoji="1" lang="en-US" altLang="ja-JP" dirty="0" err="1"/>
-              <a:t>TeamC</a:t>
-            </a:r>
-            <a:endParaRPr kumimoji="1" lang="en-US" altLang="ja-JP" dirty="0"/>
+            <a:endParaRPr kumimoji="1" lang="ja-JP" altLang="en-US"/>
           </a:p>
         </p:txBody>
       </p:sp>
@@ -3690,6 +4167,110 @@
     <p:extLst>
       <p:ext uri="{BB962C8B-B14F-4D97-AF65-F5344CB8AC3E}">
         <p14:creationId xmlns:p14="http://schemas.microsoft.com/office/powerpoint/2010/main" val="2782812593"/>
+      </p:ext>
+    </p:extLst>
+  </p:cSld>
+  <p:clrMapOvr>
+    <a:masterClrMapping/>
+  </p:clrMapOvr>
+</p:sld>
+</file>
+
+<file path=ppt/slides/slide10.xml><?xml version="1.0" encoding="utf-8"?>
+<p:sld xmlns:a="http://schemas.openxmlformats.org/drawingml/2006/main" xmlns:r="http://schemas.openxmlformats.org/officeDocument/2006/relationships" xmlns:p="http://schemas.openxmlformats.org/presentationml/2006/main">
+  <p:cSld>
+    <p:spTree>
+      <p:nvGrpSpPr>
+        <p:cNvPr id="1" name=""/>
+        <p:cNvGrpSpPr/>
+        <p:nvPr/>
+      </p:nvGrpSpPr>
+      <p:grpSpPr>
+        <a:xfrm>
+          <a:off x="0" y="0"/>
+          <a:ext cx="0" cy="0"/>
+          <a:chOff x="0" y="0"/>
+          <a:chExt cx="0" cy="0"/>
+        </a:xfrm>
+      </p:grpSpPr>
+      <p:sp>
+        <p:nvSpPr>
+          <p:cNvPr id="2" name="タイトル 1">
+            <a:extLst>
+              <a:ext uri="{FF2B5EF4-FFF2-40B4-BE49-F238E27FC236}">
+                <a16:creationId xmlns:a16="http://schemas.microsoft.com/office/drawing/2014/main" id="{A4074627-A52B-4800-BEC2-A52E428E8332}"/>
+              </a:ext>
+            </a:extLst>
+          </p:cNvPr>
+          <p:cNvSpPr>
+            <a:spLocks noGrp="1"/>
+          </p:cNvSpPr>
+          <p:nvPr>
+            <p:ph type="title"/>
+          </p:nvPr>
+        </p:nvSpPr>
+        <p:spPr>
+          <a:xfrm>
+            <a:off x="831850" y="1709738"/>
+            <a:ext cx="10807156" cy="2852737"/>
+          </a:xfrm>
+        </p:spPr>
+        <p:txBody>
+          <a:bodyPr/>
+          <a:lstStyle/>
+          <a:p>
+            <a:r>
+              <a:rPr lang="ja-JP" altLang="en-US" dirty="0"/>
+              <a:t>みんなと</a:t>
+            </a:r>
+            <a:r>
+              <a:rPr kumimoji="1" lang="ja-JP" altLang="en-US" dirty="0"/>
+              <a:t>趣味</a:t>
+            </a:r>
+            <a:r>
+              <a:rPr lang="ja-JP" altLang="en-US" dirty="0"/>
+              <a:t>をシェアしよう</a:t>
+            </a:r>
+            <a:r>
+              <a:rPr lang="en-US" altLang="ja-JP" dirty="0"/>
+              <a:t>!!!</a:t>
+            </a:r>
+            <a:endParaRPr kumimoji="1" lang="ja-JP" altLang="en-US" dirty="0"/>
+          </a:p>
+        </p:txBody>
+      </p:sp>
+      <p:sp>
+        <p:nvSpPr>
+          <p:cNvPr id="3" name="コンテンツ プレースホルダー 2">
+            <a:extLst>
+              <a:ext uri="{FF2B5EF4-FFF2-40B4-BE49-F238E27FC236}">
+                <a16:creationId xmlns:a16="http://schemas.microsoft.com/office/drawing/2014/main" id="{813C4486-8351-4EF1-BD9C-D3AA9A5C1E72}"/>
+              </a:ext>
+            </a:extLst>
+          </p:cNvPr>
+          <p:cNvSpPr>
+            <a:spLocks noGrp="1"/>
+          </p:cNvSpPr>
+          <p:nvPr>
+            <p:ph type="body" idx="1"/>
+          </p:nvPr>
+        </p:nvSpPr>
+        <p:spPr/>
+        <p:txBody>
+          <a:bodyPr/>
+          <a:lstStyle/>
+          <a:p>
+            <a:r>
+              <a:rPr kumimoji="1" lang="ja-JP" altLang="en-US" dirty="0"/>
+              <a:t>ご清聴ありがとうございました</a:t>
+            </a:r>
+          </a:p>
+        </p:txBody>
+      </p:sp>
+    </p:spTree>
+    <p:extLst>
+      <p:ext uri="{BB962C8B-B14F-4D97-AF65-F5344CB8AC3E}">
+        <p14:creationId xmlns:p14="http://schemas.microsoft.com/office/powerpoint/2010/main" val="1216919865"/>
       </p:ext>
     </p:extLst>
   </p:cSld>
@@ -3721,7 +4302,7 @@
           <p:cNvPr id="2" name="タイトル 1">
             <a:extLst>
               <a:ext uri="{FF2B5EF4-FFF2-40B4-BE49-F238E27FC236}">
-                <a16:creationId xmlns:a16="http://schemas.microsoft.com/office/drawing/2014/main" id="{2A6F1D02-E258-429B-A28F-4DC3506D84D1}"/>
+                <a16:creationId xmlns:a16="http://schemas.microsoft.com/office/drawing/2014/main" id="{39DF013A-763F-4356-BFB9-5D97FB1B3C25}"/>
               </a:ext>
             </a:extLst>
           </p:cNvPr>
@@ -3737,28 +4318,39 @@
           <a:bodyPr/>
           <a:lstStyle/>
           <a:p>
-            <a:pPr lvl="0"/>
             <a:r>
               <a:rPr kumimoji="1" lang="ja-JP" altLang="en-US" dirty="0"/>
-              <a:t>こんな悩みありませんか</a:t>
-            </a:r>
-          </a:p>
-        </p:txBody>
-      </p:sp>
-      <p:sp>
-        <p:nvSpPr>
-          <p:cNvPr id="3" name="コンテンツ プレースホルダー 2">
-            <a:extLst>
-              <a:ext uri="{FF2B5EF4-FFF2-40B4-BE49-F238E27FC236}">
-                <a16:creationId xmlns:a16="http://schemas.microsoft.com/office/drawing/2014/main" id="{F16F30E8-F97E-40D1-A117-0EBB9618796E}"/>
-              </a:ext>
-            </a:extLst>
-          </p:cNvPr>
-          <p:cNvSpPr>
-            <a:spLocks noGrp="1"/>
-          </p:cNvSpPr>
-          <p:nvPr>
-            <p:ph idx="1"/>
+              <a:t>いい</a:t>
+            </a:r>
+            <a:r>
+              <a:rPr kumimoji="1" lang="ja-JP" altLang="en-US" sz="7200" dirty="0">
+                <a:solidFill>
+                  <a:srgbClr val="FF0000"/>
+                </a:solidFill>
+              </a:rPr>
+              <a:t>趣味</a:t>
+            </a:r>
+            <a:r>
+              <a:rPr kumimoji="1" lang="ja-JP" altLang="en-US" dirty="0"/>
+              <a:t>を見つけた！</a:t>
+            </a:r>
+          </a:p>
+        </p:txBody>
+      </p:sp>
+      <p:sp>
+        <p:nvSpPr>
+          <p:cNvPr id="4" name="テキスト プレースホルダー 3">
+            <a:extLst>
+              <a:ext uri="{FF2B5EF4-FFF2-40B4-BE49-F238E27FC236}">
+                <a16:creationId xmlns:a16="http://schemas.microsoft.com/office/drawing/2014/main" id="{3D347749-9A31-46B2-969C-E78AC8DA7C38}"/>
+              </a:ext>
+            </a:extLst>
+          </p:cNvPr>
+          <p:cNvSpPr>
+            <a:spLocks noGrp="1"/>
+          </p:cNvSpPr>
+          <p:nvPr>
+            <p:ph type="body" idx="1"/>
           </p:nvPr>
         </p:nvSpPr>
         <p:spPr/>
@@ -3766,32 +4358,14 @@
           <a:bodyPr/>
           <a:lstStyle/>
           <a:p>
-            <a:r>
-              <a:rPr kumimoji="1" lang="ja-JP" altLang="en-US" dirty="0"/>
-              <a:t>趣味がなくて困ってる</a:t>
-            </a:r>
-            <a:endParaRPr kumimoji="1" lang="en-US" altLang="ja-JP" dirty="0"/>
-          </a:p>
-          <a:p>
-            <a:r>
-              <a:rPr kumimoji="1" lang="ja-JP" altLang="en-US" dirty="0"/>
-              <a:t>自分の趣味が変わってる</a:t>
-            </a:r>
-            <a:endParaRPr kumimoji="1" lang="en-US" altLang="ja-JP" dirty="0"/>
-          </a:p>
-          <a:p>
-            <a:r>
-              <a:rPr kumimoji="1" lang="ja-JP" altLang="en-US" dirty="0"/>
-              <a:t>とにかく暇つぶししたい</a:t>
-            </a:r>
-            <a:endParaRPr kumimoji="1" lang="en-US" altLang="ja-JP" dirty="0"/>
+            <a:endParaRPr kumimoji="1" lang="ja-JP" altLang="en-US"/>
           </a:p>
         </p:txBody>
       </p:sp>
     </p:spTree>
     <p:extLst>
       <p:ext uri="{BB962C8B-B14F-4D97-AF65-F5344CB8AC3E}">
-        <p14:creationId xmlns:p14="http://schemas.microsoft.com/office/powerpoint/2010/main" val="1819859149"/>
+        <p14:creationId xmlns:p14="http://schemas.microsoft.com/office/powerpoint/2010/main" val="1866528611"/>
       </p:ext>
     </p:extLst>
   </p:cSld>
@@ -3823,7 +4397,7 @@
           <p:cNvPr id="2" name="タイトル 1">
             <a:extLst>
               <a:ext uri="{FF2B5EF4-FFF2-40B4-BE49-F238E27FC236}">
-                <a16:creationId xmlns:a16="http://schemas.microsoft.com/office/drawing/2014/main" id="{2B45E98D-FDE7-46B8-82D0-05F03986DC96}"/>
+                <a16:creationId xmlns:a16="http://schemas.microsoft.com/office/drawing/2014/main" id="{7186008E-786E-4697-A248-26B6F173EA2B}"/>
               </a:ext>
             </a:extLst>
           </p:cNvPr>
@@ -3834,72 +4408,57 @@
             <p:ph type="title"/>
           </p:nvPr>
         </p:nvSpPr>
+        <p:spPr>
+          <a:xfrm>
+            <a:off x="831849" y="1709738"/>
+            <a:ext cx="11142437" cy="2852737"/>
+          </a:xfrm>
+        </p:spPr>
+        <p:txBody>
+          <a:bodyPr/>
+          <a:lstStyle/>
+          <a:p>
+            <a:r>
+              <a:rPr kumimoji="1" lang="ja-JP" altLang="en-US" dirty="0"/>
+              <a:t>けど発信できる場所がない</a:t>
+            </a:r>
+            <a:r>
+              <a:rPr kumimoji="1" lang="en-US" altLang="ja-JP" dirty="0"/>
+              <a:t>……</a:t>
+            </a:r>
+            <a:endParaRPr kumimoji="1" lang="ja-JP" altLang="en-US" dirty="0"/>
+          </a:p>
+        </p:txBody>
+      </p:sp>
+      <p:sp>
+        <p:nvSpPr>
+          <p:cNvPr id="4" name="テキスト プレースホルダー 3">
+            <a:extLst>
+              <a:ext uri="{FF2B5EF4-FFF2-40B4-BE49-F238E27FC236}">
+                <a16:creationId xmlns:a16="http://schemas.microsoft.com/office/drawing/2014/main" id="{164A5D7F-C7AD-4E55-8FC5-18F5CA2A8372}"/>
+              </a:ext>
+            </a:extLst>
+          </p:cNvPr>
+          <p:cNvSpPr>
+            <a:spLocks noGrp="1"/>
+          </p:cNvSpPr>
+          <p:nvPr>
+            <p:ph type="body" idx="1"/>
+          </p:nvPr>
+        </p:nvSpPr>
         <p:spPr/>
         <p:txBody>
           <a:bodyPr/>
           <a:lstStyle/>
           <a:p>
-            <a:r>
-              <a:rPr kumimoji="1" lang="ja-JP" altLang="en-US" dirty="0"/>
-              <a:t>そんなあなたにこれ</a:t>
-            </a:r>
-          </a:p>
-        </p:txBody>
-      </p:sp>
-      <p:sp>
-        <p:nvSpPr>
-          <p:cNvPr id="3" name="コンテンツ プレースホルダー 2">
-            <a:extLst>
-              <a:ext uri="{FF2B5EF4-FFF2-40B4-BE49-F238E27FC236}">
-                <a16:creationId xmlns:a16="http://schemas.microsoft.com/office/drawing/2014/main" id="{7EE96BF0-0B37-461A-9B6A-9039D925B989}"/>
-              </a:ext>
-            </a:extLst>
-          </p:cNvPr>
-          <p:cNvSpPr>
-            <a:spLocks noGrp="1"/>
-          </p:cNvSpPr>
-          <p:nvPr>
-            <p:ph idx="1"/>
-          </p:nvPr>
-        </p:nvSpPr>
-        <p:spPr/>
-        <p:txBody>
-          <a:bodyPr/>
-          <a:lstStyle/>
-          <a:p>
-            <a:r>
-              <a:rPr kumimoji="1" lang="ja-JP" altLang="en-US" dirty="0"/>
-              <a:t>百聞は一見に如かず</a:t>
-            </a:r>
-            <a:br>
-              <a:rPr kumimoji="1" lang="en-US" altLang="ja-JP" dirty="0"/>
-            </a:br>
-            <a:br>
-              <a:rPr kumimoji="1" lang="en-US" altLang="ja-JP" dirty="0"/>
-            </a:br>
-            <a:br>
-              <a:rPr kumimoji="1" lang="en-US" altLang="ja-JP" dirty="0"/>
-            </a:br>
-            <a:r>
-              <a:rPr kumimoji="1" lang="ja-JP" altLang="en-US" dirty="0"/>
-              <a:t>実際に見てみましょう←リンク</a:t>
-            </a:r>
-            <a:r>
-              <a:rPr kumimoji="1" lang="en-US" altLang="ja-JP" dirty="0"/>
-              <a:t>or</a:t>
-            </a:r>
-            <a:r>
-              <a:rPr kumimoji="1" lang="ja-JP" altLang="en-US" dirty="0"/>
-              <a:t>デモプレイ</a:t>
-            </a:r>
-            <a:endParaRPr kumimoji="1" lang="en-US" altLang="ja-JP" dirty="0"/>
+            <a:endParaRPr kumimoji="1" lang="ja-JP" altLang="en-US"/>
           </a:p>
         </p:txBody>
       </p:sp>
     </p:spTree>
     <p:extLst>
       <p:ext uri="{BB962C8B-B14F-4D97-AF65-F5344CB8AC3E}">
-        <p14:creationId xmlns:p14="http://schemas.microsoft.com/office/powerpoint/2010/main" val="3131697017"/>
+        <p14:creationId xmlns:p14="http://schemas.microsoft.com/office/powerpoint/2010/main" val="1166740296"/>
       </p:ext>
     </p:extLst>
   </p:cSld>
@@ -3931,7 +4490,7 @@
           <p:cNvPr id="2" name="タイトル 1">
             <a:extLst>
               <a:ext uri="{FF2B5EF4-FFF2-40B4-BE49-F238E27FC236}">
-                <a16:creationId xmlns:a16="http://schemas.microsoft.com/office/drawing/2014/main" id="{F55A26EA-3C52-4720-AA83-C7B0C91ED4F0}"/>
+                <a16:creationId xmlns:a16="http://schemas.microsoft.com/office/drawing/2014/main" id="{02EF63EA-9B7B-40FD-8C61-4D449C6421C2}"/>
               </a:ext>
             </a:extLst>
           </p:cNvPr>
@@ -3949,25 +4508,37 @@
           <a:p>
             <a:r>
               <a:rPr kumimoji="1" lang="ja-JP" altLang="en-US" dirty="0"/>
-              <a:t>機能のまとめ</a:t>
-            </a:r>
-          </a:p>
-        </p:txBody>
-      </p:sp>
-      <p:sp>
-        <p:nvSpPr>
-          <p:cNvPr id="3" name="コンテンツ プレースホルダー 2">
-            <a:extLst>
-              <a:ext uri="{FF2B5EF4-FFF2-40B4-BE49-F238E27FC236}">
-                <a16:creationId xmlns:a16="http://schemas.microsoft.com/office/drawing/2014/main" id="{B2C5580E-2A6E-482E-835B-7F7EB0586F3E}"/>
-              </a:ext>
-            </a:extLst>
-          </p:cNvPr>
-          <p:cNvSpPr>
-            <a:spLocks noGrp="1"/>
-          </p:cNvSpPr>
-          <p:nvPr>
-            <p:ph idx="1"/>
+              <a:t>これが</a:t>
+            </a:r>
+            <a:r>
+              <a:rPr lang="ja-JP" altLang="en-US" sz="7200" dirty="0">
+                <a:solidFill>
+                  <a:srgbClr val="FF0000"/>
+                </a:solidFill>
+              </a:rPr>
+              <a:t>私</a:t>
+            </a:r>
+            <a:r>
+              <a:rPr kumimoji="1" lang="ja-JP" altLang="en-US" dirty="0"/>
+              <a:t>の趣味だ！　</a:t>
+            </a:r>
+          </a:p>
+        </p:txBody>
+      </p:sp>
+      <p:sp>
+        <p:nvSpPr>
+          <p:cNvPr id="4" name="テキスト プレースホルダー 3">
+            <a:extLst>
+              <a:ext uri="{FF2B5EF4-FFF2-40B4-BE49-F238E27FC236}">
+                <a16:creationId xmlns:a16="http://schemas.microsoft.com/office/drawing/2014/main" id="{2DDC0FBC-5E73-4034-B8F5-7898AAB76F9E}"/>
+              </a:ext>
+            </a:extLst>
+          </p:cNvPr>
+          <p:cNvSpPr>
+            <a:spLocks noGrp="1"/>
+          </p:cNvSpPr>
+          <p:nvPr>
+            <p:ph type="body" idx="1"/>
           </p:nvPr>
         </p:nvSpPr>
         <p:spPr/>
@@ -3975,43 +4546,14 @@
           <a:bodyPr/>
           <a:lstStyle/>
           <a:p>
-            <a:r>
-              <a:rPr kumimoji="1" lang="ja-JP" altLang="en-US" dirty="0"/>
-              <a:t>変わった趣味を投稿</a:t>
-            </a:r>
-            <a:endParaRPr kumimoji="1" lang="en-US" altLang="ja-JP" dirty="0"/>
-          </a:p>
-          <a:p>
-            <a:r>
-              <a:rPr kumimoji="1" lang="ja-JP" altLang="en-US" dirty="0"/>
-              <a:t>変わった趣味の観覧</a:t>
-            </a:r>
-            <a:endParaRPr kumimoji="1" lang="en-US" altLang="ja-JP" dirty="0"/>
-          </a:p>
-          <a:p>
-            <a:r>
-              <a:rPr kumimoji="1" lang="ja-JP" altLang="en-US" dirty="0"/>
-              <a:t>称号の収集</a:t>
-            </a:r>
-            <a:endParaRPr kumimoji="1" lang="en-US" altLang="ja-JP" dirty="0"/>
-          </a:p>
-          <a:p>
-            <a:r>
-              <a:rPr kumimoji="1" lang="en-US" altLang="ja-JP" dirty="0"/>
-              <a:t>Twitter</a:t>
-            </a:r>
-            <a:r>
-              <a:rPr kumimoji="1" lang="ja-JP" altLang="en-US" dirty="0"/>
-              <a:t>連携</a:t>
-            </a:r>
-            <a:endParaRPr kumimoji="1" lang="en-US" altLang="ja-JP" dirty="0"/>
+            <a:endParaRPr kumimoji="1" lang="ja-JP" altLang="en-US"/>
           </a:p>
         </p:txBody>
       </p:sp>
     </p:spTree>
     <p:extLst>
       <p:ext uri="{BB962C8B-B14F-4D97-AF65-F5344CB8AC3E}">
-        <p14:creationId xmlns:p14="http://schemas.microsoft.com/office/powerpoint/2010/main" val="2363469393"/>
+        <p14:creationId xmlns:p14="http://schemas.microsoft.com/office/powerpoint/2010/main" val="225009388"/>
       </p:ext>
     </p:extLst>
   </p:cSld>
@@ -4043,7 +4585,7 @@
           <p:cNvPr id="2" name="タイトル 1">
             <a:extLst>
               <a:ext uri="{FF2B5EF4-FFF2-40B4-BE49-F238E27FC236}">
-                <a16:creationId xmlns:a16="http://schemas.microsoft.com/office/drawing/2014/main" id="{A4074627-A52B-4800-BEC2-A52E428E8332}"/>
+                <a16:creationId xmlns:a16="http://schemas.microsoft.com/office/drawing/2014/main" id="{449FF0DA-8712-41F0-BCEC-040BB33ACC41}"/>
               </a:ext>
             </a:extLst>
           </p:cNvPr>
@@ -4060,26 +4602,43 @@
           <a:lstStyle/>
           <a:p>
             <a:r>
-              <a:rPr kumimoji="1" lang="ja-JP" altLang="en-US" dirty="0"/>
-              <a:t>多種多様な趣味に触れてみませんか</a:t>
-            </a:r>
-          </a:p>
-        </p:txBody>
-      </p:sp>
-      <p:sp>
-        <p:nvSpPr>
-          <p:cNvPr id="3" name="コンテンツ プレースホルダー 2">
-            <a:extLst>
-              <a:ext uri="{FF2B5EF4-FFF2-40B4-BE49-F238E27FC236}">
-                <a16:creationId xmlns:a16="http://schemas.microsoft.com/office/drawing/2014/main" id="{813C4486-8351-4EF1-BD9C-D3AA9A5C1E72}"/>
-              </a:ext>
-            </a:extLst>
-          </p:cNvPr>
-          <p:cNvSpPr>
-            <a:spLocks noGrp="1"/>
-          </p:cNvSpPr>
-          <p:nvPr>
-            <p:ph idx="1"/>
+              <a:rPr lang="en-US" altLang="ja-JP" dirty="0"/>
+              <a:t>……</a:t>
+            </a:r>
+            <a:r>
+              <a:rPr lang="ja-JP" altLang="en-US" dirty="0"/>
+              <a:t>と</a:t>
+            </a:r>
+            <a:r>
+              <a:rPr lang="ja-JP" altLang="en-US" sz="7200" dirty="0">
+                <a:solidFill>
+                  <a:srgbClr val="FF0000"/>
+                </a:solidFill>
+              </a:rPr>
+              <a:t>自信</a:t>
+            </a:r>
+            <a:r>
+              <a:rPr lang="ja-JP" altLang="en-US" dirty="0"/>
+              <a:t>をもって伝えたい</a:t>
+            </a:r>
+            <a:endParaRPr kumimoji="1" lang="ja-JP" altLang="en-US" dirty="0"/>
+          </a:p>
+        </p:txBody>
+      </p:sp>
+      <p:sp>
+        <p:nvSpPr>
+          <p:cNvPr id="3" name="テキスト プレースホルダー 2">
+            <a:extLst>
+              <a:ext uri="{FF2B5EF4-FFF2-40B4-BE49-F238E27FC236}">
+                <a16:creationId xmlns:a16="http://schemas.microsoft.com/office/drawing/2014/main" id="{EE6FBACC-1699-4C43-89EC-068F35364E13}"/>
+              </a:ext>
+            </a:extLst>
+          </p:cNvPr>
+          <p:cNvSpPr>
+            <a:spLocks noGrp="1"/>
+          </p:cNvSpPr>
+          <p:nvPr>
+            <p:ph type="body" idx="1"/>
           </p:nvPr>
         </p:nvSpPr>
         <p:spPr/>
@@ -4087,17 +4646,503 @@
           <a:bodyPr/>
           <a:lstStyle/>
           <a:p>
-            <a:r>
-              <a:rPr kumimoji="1" lang="ja-JP" altLang="en-US" dirty="0"/>
-              <a:t>ご清聴ありがとうございました</a:t>
-            </a:r>
+            <a:endParaRPr kumimoji="1" lang="ja-JP" altLang="en-US"/>
           </a:p>
         </p:txBody>
       </p:sp>
     </p:spTree>
     <p:extLst>
       <p:ext uri="{BB962C8B-B14F-4D97-AF65-F5344CB8AC3E}">
-        <p14:creationId xmlns:p14="http://schemas.microsoft.com/office/powerpoint/2010/main" val="1216919865"/>
+        <p14:creationId xmlns:p14="http://schemas.microsoft.com/office/powerpoint/2010/main" val="1517387244"/>
+      </p:ext>
+    </p:extLst>
+  </p:cSld>
+  <p:clrMapOvr>
+    <a:masterClrMapping/>
+  </p:clrMapOvr>
+</p:sld>
+</file>
+
+<file path=ppt/slides/slide6.xml><?xml version="1.0" encoding="utf-8"?>
+<p:sld xmlns:a="http://schemas.openxmlformats.org/drawingml/2006/main" xmlns:r="http://schemas.openxmlformats.org/officeDocument/2006/relationships" xmlns:p="http://schemas.openxmlformats.org/presentationml/2006/main">
+  <p:cSld>
+    <p:spTree>
+      <p:nvGrpSpPr>
+        <p:cNvPr id="1" name=""/>
+        <p:cNvGrpSpPr/>
+        <p:nvPr/>
+      </p:nvGrpSpPr>
+      <p:grpSpPr>
+        <a:xfrm>
+          <a:off x="0" y="0"/>
+          <a:ext cx="0" cy="0"/>
+          <a:chOff x="0" y="0"/>
+          <a:chExt cx="0" cy="0"/>
+        </a:xfrm>
+      </p:grpSpPr>
+      <p:sp>
+        <p:nvSpPr>
+          <p:cNvPr id="2" name="タイトル 1">
+            <a:extLst>
+              <a:ext uri="{FF2B5EF4-FFF2-40B4-BE49-F238E27FC236}">
+                <a16:creationId xmlns:a16="http://schemas.microsoft.com/office/drawing/2014/main" id="{10E6C915-F02B-4DDA-94FF-8F740D6BD4A6}"/>
+              </a:ext>
+            </a:extLst>
+          </p:cNvPr>
+          <p:cNvSpPr>
+            <a:spLocks noGrp="1"/>
+          </p:cNvSpPr>
+          <p:nvPr>
+            <p:ph type="title"/>
+          </p:nvPr>
+        </p:nvSpPr>
+        <p:spPr/>
+        <p:txBody>
+          <a:bodyPr>
+            <a:normAutofit/>
+          </a:bodyPr>
+          <a:lstStyle/>
+          <a:p>
+            <a:r>
+              <a:rPr lang="ja-JP" altLang="en-US" sz="7200" dirty="0">
+                <a:solidFill>
+                  <a:srgbClr val="FF0000"/>
+                </a:solidFill>
+              </a:rPr>
+              <a:t>挑戦</a:t>
+            </a:r>
+            <a:r>
+              <a:rPr lang="ja-JP" altLang="en-US" dirty="0"/>
+              <a:t>しなければ、</a:t>
+            </a:r>
+            <a:br>
+              <a:rPr lang="en-US" altLang="ja-JP" dirty="0"/>
+            </a:br>
+            <a:r>
+              <a:rPr lang="ja-JP" altLang="en-US" dirty="0"/>
+              <a:t>君たちの</a:t>
+            </a:r>
+            <a:r>
+              <a:rPr lang="ja-JP" altLang="en-US" sz="7200" dirty="0">
+                <a:solidFill>
+                  <a:srgbClr val="FF0000"/>
+                </a:solidFill>
+              </a:rPr>
+              <a:t>常識</a:t>
+            </a:r>
+            <a:r>
+              <a:rPr lang="ja-JP" altLang="en-US" dirty="0"/>
+              <a:t>は変わらない</a:t>
+            </a:r>
+            <a:endParaRPr kumimoji="1" lang="ja-JP" altLang="en-US" dirty="0"/>
+          </a:p>
+        </p:txBody>
+      </p:sp>
+      <p:sp>
+        <p:nvSpPr>
+          <p:cNvPr id="4" name="テキスト プレースホルダー 3">
+            <a:extLst>
+              <a:ext uri="{FF2B5EF4-FFF2-40B4-BE49-F238E27FC236}">
+                <a16:creationId xmlns:a16="http://schemas.microsoft.com/office/drawing/2014/main" id="{0628042A-DE09-4F50-A564-C8CEF2F11EAB}"/>
+              </a:ext>
+            </a:extLst>
+          </p:cNvPr>
+          <p:cNvSpPr>
+            <a:spLocks noGrp="1"/>
+          </p:cNvSpPr>
+          <p:nvPr>
+            <p:ph type="body" idx="1"/>
+          </p:nvPr>
+        </p:nvSpPr>
+        <p:spPr/>
+        <p:txBody>
+          <a:bodyPr/>
+          <a:lstStyle/>
+          <a:p>
+            <a:endParaRPr lang="en-US" altLang="ja-JP" dirty="0"/>
+          </a:p>
+          <a:p>
+            <a:endParaRPr kumimoji="1" lang="ja-JP" altLang="en-US" dirty="0"/>
+          </a:p>
+        </p:txBody>
+      </p:sp>
+    </p:spTree>
+    <p:extLst>
+      <p:ext uri="{BB962C8B-B14F-4D97-AF65-F5344CB8AC3E}">
+        <p14:creationId xmlns:p14="http://schemas.microsoft.com/office/powerpoint/2010/main" val="3523244120"/>
+      </p:ext>
+    </p:extLst>
+  </p:cSld>
+  <p:clrMapOvr>
+    <a:masterClrMapping/>
+  </p:clrMapOvr>
+</p:sld>
+</file>
+
+<file path=ppt/slides/slide7.xml><?xml version="1.0" encoding="utf-8"?>
+<p:sld xmlns:a="http://schemas.openxmlformats.org/drawingml/2006/main" xmlns:r="http://schemas.openxmlformats.org/officeDocument/2006/relationships" xmlns:p="http://schemas.openxmlformats.org/presentationml/2006/main">
+  <p:cSld>
+    <p:spTree>
+      <p:nvGrpSpPr>
+        <p:cNvPr id="1" name=""/>
+        <p:cNvGrpSpPr/>
+        <p:nvPr/>
+      </p:nvGrpSpPr>
+      <p:grpSpPr>
+        <a:xfrm>
+          <a:off x="0" y="0"/>
+          <a:ext cx="0" cy="0"/>
+          <a:chOff x="0" y="0"/>
+          <a:chExt cx="0" cy="0"/>
+        </a:xfrm>
+      </p:grpSpPr>
+      <p:sp>
+        <p:nvSpPr>
+          <p:cNvPr id="2" name="タイトル 1">
+            <a:extLst>
+              <a:ext uri="{FF2B5EF4-FFF2-40B4-BE49-F238E27FC236}">
+                <a16:creationId xmlns:a16="http://schemas.microsoft.com/office/drawing/2014/main" id="{08E72278-7911-4868-AB1D-B05762712CD9}"/>
+              </a:ext>
+            </a:extLst>
+          </p:cNvPr>
+          <p:cNvSpPr>
+            <a:spLocks noGrp="1"/>
+          </p:cNvSpPr>
+          <p:nvPr>
+            <p:ph type="title"/>
+          </p:nvPr>
+        </p:nvSpPr>
+        <p:spPr>
+          <a:xfrm>
+            <a:off x="831849" y="1709738"/>
+            <a:ext cx="10976973" cy="2852737"/>
+          </a:xfrm>
+        </p:spPr>
+        <p:txBody>
+          <a:bodyPr>
+            <a:noAutofit/>
+          </a:bodyPr>
+          <a:lstStyle/>
+          <a:p>
+            <a:br>
+              <a:rPr kumimoji="1" lang="en-US" altLang="ja-JP" sz="9600" dirty="0"/>
+            </a:br>
+            <a:br>
+              <a:rPr kumimoji="1" lang="en-US" altLang="ja-JP" sz="9600" dirty="0"/>
+            </a:br>
+            <a:r>
+              <a:rPr kumimoji="1" lang="en-US" altLang="ja-JP" sz="9600" dirty="0"/>
+              <a:t>Create your hobby!!!</a:t>
+            </a:r>
+            <a:endParaRPr kumimoji="1" lang="ja-JP" altLang="en-US" sz="9600" dirty="0"/>
+          </a:p>
+        </p:txBody>
+      </p:sp>
+      <p:sp>
+        <p:nvSpPr>
+          <p:cNvPr id="7" name="動作設定ボタン: 進む/次へ 6">
+            <a:hlinkClick r:id="rId3" highlightClick="1"/>
+            <a:hlinkHover r:id="rId3"/>
+            <a:extLst>
+              <a:ext uri="{FF2B5EF4-FFF2-40B4-BE49-F238E27FC236}">
+                <a16:creationId xmlns:a16="http://schemas.microsoft.com/office/drawing/2014/main" id="{4D095194-5FBE-4364-BDF2-C00C0C3D3461}"/>
+              </a:ext>
+            </a:extLst>
+          </p:cNvPr>
+          <p:cNvSpPr/>
+          <p:nvPr/>
+        </p:nvSpPr>
+        <p:spPr>
+          <a:xfrm>
+            <a:off x="8856617" y="5094514"/>
+            <a:ext cx="1358537" cy="1306286"/>
+          </a:xfrm>
+          <a:prstGeom prst="actionButtonForwardNext">
+            <a:avLst/>
+          </a:prstGeom>
+        </p:spPr>
+        <p:style>
+          <a:lnRef idx="2">
+            <a:schemeClr val="accent3">
+              <a:shade val="50000"/>
+            </a:schemeClr>
+          </a:lnRef>
+          <a:fillRef idx="1">
+            <a:schemeClr val="accent3"/>
+          </a:fillRef>
+          <a:effectRef idx="0">
+            <a:schemeClr val="accent3"/>
+          </a:effectRef>
+          <a:fontRef idx="minor">
+            <a:schemeClr val="lt1"/>
+          </a:fontRef>
+        </p:style>
+        <p:txBody>
+          <a:bodyPr rtlCol="0" anchor="ctr"/>
+          <a:lstStyle/>
+          <a:p>
+            <a:pPr algn="ctr"/>
+            <a:endParaRPr kumimoji="1" lang="ja-JP" altLang="en-US"/>
+          </a:p>
+        </p:txBody>
+      </p:sp>
+    </p:spTree>
+    <p:extLst>
+      <p:ext uri="{BB962C8B-B14F-4D97-AF65-F5344CB8AC3E}">
+        <p14:creationId xmlns:p14="http://schemas.microsoft.com/office/powerpoint/2010/main" val="482395277"/>
+      </p:ext>
+    </p:extLst>
+  </p:cSld>
+  <p:clrMapOvr>
+    <a:masterClrMapping/>
+  </p:clrMapOvr>
+</p:sld>
+</file>
+
+<file path=ppt/slides/slide8.xml><?xml version="1.0" encoding="utf-8"?>
+<p:sld xmlns:a="http://schemas.openxmlformats.org/drawingml/2006/main" xmlns:r="http://schemas.openxmlformats.org/officeDocument/2006/relationships" xmlns:p="http://schemas.openxmlformats.org/presentationml/2006/main" show="0">
+  <p:cSld>
+    <p:spTree>
+      <p:nvGrpSpPr>
+        <p:cNvPr id="1" name=""/>
+        <p:cNvGrpSpPr/>
+        <p:nvPr/>
+      </p:nvGrpSpPr>
+      <p:grpSpPr>
+        <a:xfrm>
+          <a:off x="0" y="0"/>
+          <a:ext cx="0" cy="0"/>
+          <a:chOff x="0" y="0"/>
+          <a:chExt cx="0" cy="0"/>
+        </a:xfrm>
+      </p:grpSpPr>
+      <p:sp>
+        <p:nvSpPr>
+          <p:cNvPr id="2" name="タイトル 1">
+            <a:extLst>
+              <a:ext uri="{FF2B5EF4-FFF2-40B4-BE49-F238E27FC236}">
+                <a16:creationId xmlns:a16="http://schemas.microsoft.com/office/drawing/2014/main" id="{F55A26EA-3C52-4720-AA83-C7B0C91ED4F0}"/>
+              </a:ext>
+            </a:extLst>
+          </p:cNvPr>
+          <p:cNvSpPr>
+            <a:spLocks noGrp="1"/>
+          </p:cNvSpPr>
+          <p:nvPr>
+            <p:ph type="title"/>
+          </p:nvPr>
+        </p:nvSpPr>
+        <p:spPr/>
+        <p:txBody>
+          <a:bodyPr/>
+          <a:lstStyle/>
+          <a:p>
+            <a:r>
+              <a:rPr kumimoji="1" lang="ja-JP" altLang="en-US" dirty="0"/>
+              <a:t>機能のまとめ</a:t>
+            </a:r>
+          </a:p>
+        </p:txBody>
+      </p:sp>
+      <p:sp>
+        <p:nvSpPr>
+          <p:cNvPr id="3" name="コンテンツ プレースホルダー 2">
+            <a:extLst>
+              <a:ext uri="{FF2B5EF4-FFF2-40B4-BE49-F238E27FC236}">
+                <a16:creationId xmlns:a16="http://schemas.microsoft.com/office/drawing/2014/main" id="{B2C5580E-2A6E-482E-835B-7F7EB0586F3E}"/>
+              </a:ext>
+            </a:extLst>
+          </p:cNvPr>
+          <p:cNvSpPr>
+            <a:spLocks noGrp="1"/>
+          </p:cNvSpPr>
+          <p:nvPr>
+            <p:ph idx="1"/>
+          </p:nvPr>
+        </p:nvSpPr>
+        <p:spPr/>
+        <p:txBody>
+          <a:bodyPr/>
+          <a:lstStyle/>
+          <a:p>
+            <a:r>
+              <a:rPr kumimoji="1" lang="ja-JP" altLang="en-US" dirty="0"/>
+              <a:t>変わった趣味を投稿</a:t>
+            </a:r>
+            <a:endParaRPr kumimoji="1" lang="en-US" altLang="ja-JP" dirty="0"/>
+          </a:p>
+          <a:p>
+            <a:endParaRPr kumimoji="1" lang="en-US" altLang="ja-JP" dirty="0"/>
+          </a:p>
+          <a:p>
+            <a:r>
+              <a:rPr kumimoji="1" lang="ja-JP" altLang="en-US" dirty="0"/>
+              <a:t>変わった趣味の観覧</a:t>
+            </a:r>
+            <a:endParaRPr kumimoji="1" lang="en-US" altLang="ja-JP" dirty="0"/>
+          </a:p>
+          <a:p>
+            <a:endParaRPr kumimoji="1" lang="en-US" altLang="ja-JP" dirty="0"/>
+          </a:p>
+          <a:p>
+            <a:r>
+              <a:rPr kumimoji="1" lang="ja-JP" altLang="en-US" dirty="0"/>
+              <a:t>称号の収集</a:t>
+            </a:r>
+            <a:endParaRPr kumimoji="1" lang="en-US" altLang="ja-JP" dirty="0"/>
+          </a:p>
+          <a:p>
+            <a:endParaRPr kumimoji="1" lang="en-US" altLang="ja-JP" dirty="0"/>
+          </a:p>
+          <a:p>
+            <a:r>
+              <a:rPr kumimoji="1" lang="en-US" altLang="ja-JP" dirty="0"/>
+              <a:t>Twitter</a:t>
+            </a:r>
+            <a:r>
+              <a:rPr kumimoji="1" lang="ja-JP" altLang="en-US" dirty="0"/>
+              <a:t>連携</a:t>
+            </a:r>
+            <a:endParaRPr kumimoji="1" lang="en-US" altLang="ja-JP" dirty="0"/>
+          </a:p>
+        </p:txBody>
+      </p:sp>
+    </p:spTree>
+    <p:extLst>
+      <p:ext uri="{BB962C8B-B14F-4D97-AF65-F5344CB8AC3E}">
+        <p14:creationId xmlns:p14="http://schemas.microsoft.com/office/powerpoint/2010/main" val="2363469393"/>
+      </p:ext>
+    </p:extLst>
+  </p:cSld>
+  <p:clrMapOvr>
+    <a:masterClrMapping/>
+  </p:clrMapOvr>
+</p:sld>
+</file>
+
+<file path=ppt/slides/slide9.xml><?xml version="1.0" encoding="utf-8"?>
+<p:sld xmlns:a="http://schemas.openxmlformats.org/drawingml/2006/main" xmlns:r="http://schemas.openxmlformats.org/officeDocument/2006/relationships" xmlns:p="http://schemas.openxmlformats.org/presentationml/2006/main">
+  <p:cSld>
+    <p:spTree>
+      <p:nvGrpSpPr>
+        <p:cNvPr id="1" name=""/>
+        <p:cNvGrpSpPr/>
+        <p:nvPr/>
+      </p:nvGrpSpPr>
+      <p:grpSpPr>
+        <a:xfrm>
+          <a:off x="0" y="0"/>
+          <a:ext cx="0" cy="0"/>
+          <a:chOff x="0" y="0"/>
+          <a:chExt cx="0" cy="0"/>
+        </a:xfrm>
+      </p:grpSpPr>
+      <p:sp>
+        <p:nvSpPr>
+          <p:cNvPr id="2" name="タイトル 1">
+            <a:extLst>
+              <a:ext uri="{FF2B5EF4-FFF2-40B4-BE49-F238E27FC236}">
+                <a16:creationId xmlns:a16="http://schemas.microsoft.com/office/drawing/2014/main" id="{5DFC5115-3382-4512-A021-046592F13A3E}"/>
+              </a:ext>
+            </a:extLst>
+          </p:cNvPr>
+          <p:cNvSpPr>
+            <a:spLocks noGrp="1"/>
+          </p:cNvSpPr>
+          <p:nvPr>
+            <p:ph type="title"/>
+          </p:nvPr>
+        </p:nvSpPr>
+        <p:spPr/>
+        <p:txBody>
+          <a:bodyPr/>
+          <a:lstStyle/>
+          <a:p>
+            <a:r>
+              <a:rPr kumimoji="1" lang="ja-JP" altLang="en-US" dirty="0"/>
+              <a:t>今後の展望</a:t>
+            </a:r>
+          </a:p>
+        </p:txBody>
+      </p:sp>
+      <p:sp>
+        <p:nvSpPr>
+          <p:cNvPr id="3" name="コンテンツ プレースホルダー 2">
+            <a:extLst>
+              <a:ext uri="{FF2B5EF4-FFF2-40B4-BE49-F238E27FC236}">
+                <a16:creationId xmlns:a16="http://schemas.microsoft.com/office/drawing/2014/main" id="{559B580D-645B-4CA4-BD43-6BB77159F82F}"/>
+              </a:ext>
+            </a:extLst>
+          </p:cNvPr>
+          <p:cNvSpPr>
+            <a:spLocks noGrp="1"/>
+          </p:cNvSpPr>
+          <p:nvPr>
+            <p:ph idx="1"/>
+          </p:nvPr>
+        </p:nvSpPr>
+        <p:spPr/>
+        <p:txBody>
+          <a:bodyPr/>
+          <a:lstStyle/>
+          <a:p>
+            <a:r>
+              <a:rPr lang="ja-JP" altLang="en-US" dirty="0"/>
+              <a:t>デイリーミッションの追加</a:t>
+            </a:r>
+            <a:endParaRPr lang="en-US" altLang="ja-JP" dirty="0"/>
+          </a:p>
+          <a:p>
+            <a:endParaRPr lang="en-US" altLang="ja-JP" dirty="0"/>
+          </a:p>
+          <a:p>
+            <a:r>
+              <a:rPr lang="ja-JP" altLang="en-US" dirty="0"/>
+              <a:t>趣味友トークルームの作成</a:t>
+            </a:r>
+            <a:endParaRPr lang="en-US" altLang="ja-JP" dirty="0"/>
+          </a:p>
+          <a:p>
+            <a:endParaRPr lang="en-US" altLang="ja-JP" dirty="0"/>
+          </a:p>
+          <a:p>
+            <a:r>
+              <a:rPr lang="ja-JP" altLang="en-US" dirty="0"/>
+              <a:t>称号獲得数によるランキングの企画</a:t>
+            </a:r>
+            <a:endParaRPr lang="en-US" altLang="ja-JP" dirty="0"/>
+          </a:p>
+          <a:p>
+            <a:endParaRPr lang="en-US" altLang="ja-JP" dirty="0"/>
+          </a:p>
+          <a:p>
+            <a:r>
+              <a:rPr lang="ja-JP" altLang="en-US" dirty="0"/>
+              <a:t>ピックアップ企画</a:t>
+            </a:r>
+            <a:endParaRPr lang="en-US" altLang="ja-JP" dirty="0"/>
+          </a:p>
+          <a:p>
+            <a:endParaRPr lang="en-US" altLang="ja-JP" dirty="0"/>
+          </a:p>
+          <a:p>
+            <a:endParaRPr lang="en-US" altLang="ja-JP" dirty="0"/>
+          </a:p>
+          <a:p>
+            <a:endParaRPr lang="en-US" altLang="ja-JP" dirty="0"/>
+          </a:p>
+          <a:p>
+            <a:endParaRPr lang="en-US" altLang="ja-JP" dirty="0"/>
+          </a:p>
+          <a:p>
+            <a:endParaRPr kumimoji="1" lang="ja-JP" altLang="en-US" dirty="0"/>
+          </a:p>
+        </p:txBody>
+      </p:sp>
+    </p:spTree>
+    <p:extLst>
+      <p:ext uri="{BB962C8B-B14F-4D97-AF65-F5344CB8AC3E}">
+        <p14:creationId xmlns:p14="http://schemas.microsoft.com/office/powerpoint/2010/main" val="1916327801"/>
       </p:ext>
     </p:extLst>
   </p:cSld>
@@ -4400,4 +5445,299 @@
     </a:ext>
   </a:extLst>
 </a:theme>
+</file>
+
+<file path=ppt/theme/theme2.xml><?xml version="1.0" encoding="utf-8"?>
+<a:theme xmlns:a="http://schemas.openxmlformats.org/drawingml/2006/main" name="Office テーマ">
+  <a:themeElements>
+    <a:clrScheme name="Office">
+      <a:dk1>
+        <a:sysClr val="windowText" lastClr="000000"/>
+      </a:dk1>
+      <a:lt1>
+        <a:sysClr val="window" lastClr="FFFFFF"/>
+      </a:lt1>
+      <a:dk2>
+        <a:srgbClr val="44546A"/>
+      </a:dk2>
+      <a:lt2>
+        <a:srgbClr val="E7E6E6"/>
+      </a:lt2>
+      <a:accent1>
+        <a:srgbClr val="4472C4"/>
+      </a:accent1>
+      <a:accent2>
+        <a:srgbClr val="ED7D31"/>
+      </a:accent2>
+      <a:accent3>
+        <a:srgbClr val="A5A5A5"/>
+      </a:accent3>
+      <a:accent4>
+        <a:srgbClr val="FFC000"/>
+      </a:accent4>
+      <a:accent5>
+        <a:srgbClr val="5B9BD5"/>
+      </a:accent5>
+      <a:accent6>
+        <a:srgbClr val="70AD47"/>
+      </a:accent6>
+      <a:hlink>
+        <a:srgbClr val="0563C1"/>
+      </a:hlink>
+      <a:folHlink>
+        <a:srgbClr val="954F72"/>
+      </a:folHlink>
+    </a:clrScheme>
+    <a:fontScheme name="Office">
+      <a:majorFont>
+        <a:latin typeface="游ゴシック Light" panose="020F0302020204030204"/>
+        <a:ea typeface=""/>
+        <a:cs typeface=""/>
+        <a:font script="Jpan" typeface="游ゴシック Light"/>
+        <a:font script="Hang" typeface="맑은 고딕"/>
+        <a:font script="Hans" typeface="等线 Light"/>
+        <a:font script="Hant" typeface="新細明體"/>
+        <a:font script="Arab" typeface="Times New Roman"/>
+        <a:font script="Hebr" typeface="Times New Roman"/>
+        <a:font script="Thai" typeface="Angsana New"/>
+        <a:font script="Ethi" typeface="Nyala"/>
+        <a:font script="Beng" typeface="Vrinda"/>
+        <a:font script="Gujr" typeface="Shruti"/>
+        <a:font script="Khmr" typeface="MoolBoran"/>
+        <a:font script="Knda" typeface="Tunga"/>
+        <a:font script="Guru" typeface="Raavi"/>
+        <a:font script="Cans" typeface="Euphemia"/>
+        <a:font script="Cher" typeface="Plantagenet Cherokee"/>
+        <a:font script="Yiii" typeface="Microsoft Yi Baiti"/>
+        <a:font script="Tibt" typeface="Microsoft Himalaya"/>
+        <a:font script="Thaa" typeface="MV Boli"/>
+        <a:font script="Deva" typeface="Mangal"/>
+        <a:font script="Telu" typeface="Gautami"/>
+        <a:font script="Taml" typeface="Latha"/>
+        <a:font script="Syrc" typeface="Estrangelo Edessa"/>
+        <a:font script="Orya" typeface="Kalinga"/>
+        <a:font script="Mlym" typeface="Kartika"/>
+        <a:font script="Laoo" typeface="DokChampa"/>
+        <a:font script="Sinh" typeface="Iskoola Pota"/>
+        <a:font script="Mong" typeface="Mongolian Baiti"/>
+        <a:font script="Viet" typeface="Times New Roman"/>
+        <a:font script="Uigh" typeface="Microsoft Uighur"/>
+        <a:font script="Geor" typeface="Sylfaen"/>
+        <a:font script="Armn" typeface="Arial"/>
+        <a:font script="Bugi" typeface="Leelawadee UI"/>
+        <a:font script="Bopo" typeface="Microsoft JhengHei"/>
+        <a:font script="Java" typeface="Javanese Text"/>
+        <a:font script="Lisu" typeface="Segoe UI"/>
+        <a:font script="Mymr" typeface="Myanmar Text"/>
+        <a:font script="Nkoo" typeface="Ebrima"/>
+        <a:font script="Olck" typeface="Nirmala UI"/>
+        <a:font script="Osma" typeface="Ebrima"/>
+        <a:font script="Phag" typeface="Phagspa"/>
+        <a:font script="Syrn" typeface="Estrangelo Edessa"/>
+        <a:font script="Syrj" typeface="Estrangelo Edessa"/>
+        <a:font script="Syre" typeface="Estrangelo Edessa"/>
+        <a:font script="Sora" typeface="Nirmala UI"/>
+        <a:font script="Tale" typeface="Microsoft Tai Le"/>
+        <a:font script="Talu" typeface="Microsoft New Tai Lue"/>
+        <a:font script="Tfng" typeface="Ebrima"/>
+      </a:majorFont>
+      <a:minorFont>
+        <a:latin typeface="游ゴシック" panose="020F0502020204030204"/>
+        <a:ea typeface=""/>
+        <a:cs typeface=""/>
+        <a:font script="Jpan" typeface="游ゴシック"/>
+        <a:font script="Hang" typeface="맑은 고딕"/>
+        <a:font script="Hans" typeface="等线"/>
+        <a:font script="Hant" typeface="新細明體"/>
+        <a:font script="Arab" typeface="Arial"/>
+        <a:font script="Hebr" typeface="Arial"/>
+        <a:font script="Thai" typeface="Cordia New"/>
+        <a:font script="Ethi" typeface="Nyala"/>
+        <a:font script="Beng" typeface="Vrinda"/>
+        <a:font script="Gujr" typeface="Shruti"/>
+        <a:font script="Khmr" typeface="DaunPenh"/>
+        <a:font script="Knda" typeface="Tunga"/>
+        <a:font script="Guru" typeface="Raavi"/>
+        <a:font script="Cans" typeface="Euphemia"/>
+        <a:font script="Cher" typeface="Plantagenet Cherokee"/>
+        <a:font script="Yiii" typeface="Microsoft Yi Baiti"/>
+        <a:font script="Tibt" typeface="Microsoft Himalaya"/>
+        <a:font script="Thaa" typeface="MV Boli"/>
+        <a:font script="Deva" typeface="Mangal"/>
+        <a:font script="Telu" typeface="Gautami"/>
+        <a:font script="Taml" typeface="Latha"/>
+        <a:font script="Syrc" typeface="Estrangelo Edessa"/>
+        <a:font script="Orya" typeface="Kalinga"/>
+        <a:font script="Mlym" typeface="Kartika"/>
+        <a:font script="Laoo" typeface="DokChampa"/>
+        <a:font script="Sinh" typeface="Iskoola Pota"/>
+        <a:font script="Mong" typeface="Mongolian Baiti"/>
+        <a:font script="Viet" typeface="Arial"/>
+        <a:font script="Uigh" typeface="Microsoft Uighur"/>
+        <a:font script="Geor" typeface="Sylfaen"/>
+        <a:font script="Armn" typeface="Arial"/>
+        <a:font script="Bugi" typeface="Leelawadee UI"/>
+        <a:font script="Bopo" typeface="Microsoft JhengHei"/>
+        <a:font script="Java" typeface="Javanese Text"/>
+        <a:font script="Lisu" typeface="Segoe UI"/>
+        <a:font script="Mymr" typeface="Myanmar Text"/>
+        <a:font script="Nkoo" typeface="Ebrima"/>
+        <a:font script="Olck" typeface="Nirmala UI"/>
+        <a:font script="Osma" typeface="Ebrima"/>
+        <a:font script="Phag" typeface="Phagspa"/>
+        <a:font script="Syrn" typeface="Estrangelo Edessa"/>
+        <a:font script="Syrj" typeface="Estrangelo Edessa"/>
+        <a:font script="Syre" typeface="Estrangelo Edessa"/>
+        <a:font script="Sora" typeface="Nirmala UI"/>
+        <a:font script="Tale" typeface="Microsoft Tai Le"/>
+        <a:font script="Talu" typeface="Microsoft New Tai Lue"/>
+        <a:font script="Tfng" typeface="Ebrima"/>
+      </a:minorFont>
+    </a:fontScheme>
+    <a:fmtScheme name="Office">
+      <a:fillStyleLst>
+        <a:solidFill>
+          <a:schemeClr val="phClr"/>
+        </a:solidFill>
+        <a:gradFill rotWithShape="1">
+          <a:gsLst>
+            <a:gs pos="0">
+              <a:schemeClr val="phClr">
+                <a:lumMod val="110000"/>
+                <a:satMod val="105000"/>
+                <a:tint val="67000"/>
+              </a:schemeClr>
+            </a:gs>
+            <a:gs pos="50000">
+              <a:schemeClr val="phClr">
+                <a:lumMod val="105000"/>
+                <a:satMod val="103000"/>
+                <a:tint val="73000"/>
+              </a:schemeClr>
+            </a:gs>
+            <a:gs pos="100000">
+              <a:schemeClr val="phClr">
+                <a:lumMod val="105000"/>
+                <a:satMod val="109000"/>
+                <a:tint val="81000"/>
+              </a:schemeClr>
+            </a:gs>
+          </a:gsLst>
+          <a:lin ang="5400000" scaled="0"/>
+        </a:gradFill>
+        <a:gradFill rotWithShape="1">
+          <a:gsLst>
+            <a:gs pos="0">
+              <a:schemeClr val="phClr">
+                <a:satMod val="103000"/>
+                <a:lumMod val="102000"/>
+                <a:tint val="94000"/>
+              </a:schemeClr>
+            </a:gs>
+            <a:gs pos="50000">
+              <a:schemeClr val="phClr">
+                <a:satMod val="110000"/>
+                <a:lumMod val="100000"/>
+                <a:shade val="100000"/>
+              </a:schemeClr>
+            </a:gs>
+            <a:gs pos="100000">
+              <a:schemeClr val="phClr">
+                <a:lumMod val="99000"/>
+                <a:satMod val="120000"/>
+                <a:shade val="78000"/>
+              </a:schemeClr>
+            </a:gs>
+          </a:gsLst>
+          <a:lin ang="5400000" scaled="0"/>
+        </a:gradFill>
+      </a:fillStyleLst>
+      <a:lnStyleLst>
+        <a:ln w="6350" cap="flat" cmpd="sng" algn="ctr">
+          <a:solidFill>
+            <a:schemeClr val="phClr"/>
+          </a:solidFill>
+          <a:prstDash val="solid"/>
+          <a:miter lim="800000"/>
+        </a:ln>
+        <a:ln w="12700" cap="flat" cmpd="sng" algn="ctr">
+          <a:solidFill>
+            <a:schemeClr val="phClr"/>
+          </a:solidFill>
+          <a:prstDash val="solid"/>
+          <a:miter lim="800000"/>
+        </a:ln>
+        <a:ln w="19050" cap="flat" cmpd="sng" algn="ctr">
+          <a:solidFill>
+            <a:schemeClr val="phClr"/>
+          </a:solidFill>
+          <a:prstDash val="solid"/>
+          <a:miter lim="800000"/>
+        </a:ln>
+      </a:lnStyleLst>
+      <a:effectStyleLst>
+        <a:effectStyle>
+          <a:effectLst/>
+        </a:effectStyle>
+        <a:effectStyle>
+          <a:effectLst/>
+        </a:effectStyle>
+        <a:effectStyle>
+          <a:effectLst>
+            <a:outerShdw blurRad="57150" dist="19050" dir="5400000" algn="ctr" rotWithShape="0">
+              <a:srgbClr val="000000">
+                <a:alpha val="63000"/>
+              </a:srgbClr>
+            </a:outerShdw>
+          </a:effectLst>
+        </a:effectStyle>
+      </a:effectStyleLst>
+      <a:bgFillStyleLst>
+        <a:solidFill>
+          <a:schemeClr val="phClr"/>
+        </a:solidFill>
+        <a:solidFill>
+          <a:schemeClr val="phClr">
+            <a:tint val="95000"/>
+            <a:satMod val="170000"/>
+          </a:schemeClr>
+        </a:solidFill>
+        <a:gradFill rotWithShape="1">
+          <a:gsLst>
+            <a:gs pos="0">
+              <a:schemeClr val="phClr">
+                <a:tint val="93000"/>
+                <a:satMod val="150000"/>
+                <a:shade val="98000"/>
+                <a:lumMod val="102000"/>
+              </a:schemeClr>
+            </a:gs>
+            <a:gs pos="50000">
+              <a:schemeClr val="phClr">
+                <a:tint val="98000"/>
+                <a:satMod val="130000"/>
+                <a:shade val="90000"/>
+                <a:lumMod val="103000"/>
+              </a:schemeClr>
+            </a:gs>
+            <a:gs pos="100000">
+              <a:schemeClr val="phClr">
+                <a:shade val="63000"/>
+                <a:satMod val="120000"/>
+              </a:schemeClr>
+            </a:gs>
+          </a:gsLst>
+          <a:lin ang="5400000" scaled="0"/>
+        </a:gradFill>
+      </a:bgFillStyleLst>
+    </a:fmtScheme>
+  </a:themeElements>
+  <a:objectDefaults/>
+  <a:extraClrSchemeLst/>
+  <a:extLst>
+    <a:ext uri="{05A4C25C-085E-4340-85A3-A5531E510DB2}">
+      <thm15:themeFamily xmlns:thm15="http://schemas.microsoft.com/office/thememl/2012/main" name="Office Theme" id="{62F939B6-93AF-4DB8-9C6B-D6C7DFDC589F}" vid="{4A3C46E8-61CC-4603-A589-7422A47A8E4A}"/>
+    </a:ext>
+  </a:extLst>
+</a:theme>
 </file>
--- a/pptx/こんな趣味いかがですか.pptx
+++ b/pptx/こんな趣味いかがですか.pptx
@@ -119,7 +119,7 @@
   <p:extLst>
     <p:ext uri="{EFAFB233-063F-42B5-8137-9DF3F51BA10A}">
       <p15:sldGuideLst xmlns:p15="http://schemas.microsoft.com/office/powerpoint/2012/main">
-        <p15:guide id="1" orient="horz" pos="2160" userDrawn="1">
+        <p15:guide id="1" orient="horz" pos="2183" userDrawn="1">
           <p15:clr>
             <a:srgbClr val="A4A3A4"/>
           </p15:clr>
@@ -4118,32 +4118,36 @@
             <p:ph type="title"/>
           </p:nvPr>
         </p:nvSpPr>
-        <p:spPr/>
+        <p:spPr>
+          <a:xfrm>
+            <a:off x="831850" y="2047198"/>
+            <a:ext cx="10515600" cy="2852737"/>
+          </a:xfrm>
+        </p:spPr>
         <p:txBody>
           <a:bodyPr>
             <a:normAutofit/>
           </a:bodyPr>
           <a:lstStyle/>
           <a:p>
-            <a:pPr algn="ctr"/>
-            <a:r>
-              <a:rPr kumimoji="1" lang="en-US" altLang="ja-JP" sz="7200" dirty="0"/>
+            <a:r>
+              <a:rPr kumimoji="1" lang="en-US" altLang="ja-JP" sz="13800" dirty="0"/>
               <a:t>Team</a:t>
             </a:r>
             <a:r>
-              <a:rPr kumimoji="1" lang="en-US" altLang="ja-JP" sz="7200" baseline="0" dirty="0"/>
+              <a:rPr kumimoji="1" lang="en-US" altLang="ja-JP" sz="13800" baseline="0" dirty="0"/>
               <a:t> C</a:t>
             </a:r>
-            <a:endParaRPr kumimoji="1" lang="ja-JP" altLang="en-US" sz="7200" dirty="0"/>
-          </a:p>
-        </p:txBody>
-      </p:sp>
-      <p:sp>
-        <p:nvSpPr>
-          <p:cNvPr id="4" name="テキスト プレースホルダー 3">
-            <a:extLst>
-              <a:ext uri="{FF2B5EF4-FFF2-40B4-BE49-F238E27FC236}">
-                <a16:creationId xmlns:a16="http://schemas.microsoft.com/office/drawing/2014/main" id="{04DED198-3508-411D-B264-86DB08D58054}"/>
+            <a:endParaRPr kumimoji="1" lang="ja-JP" altLang="en-US" sz="13800" dirty="0"/>
+          </a:p>
+        </p:txBody>
+      </p:sp>
+      <p:sp>
+        <p:nvSpPr>
+          <p:cNvPr id="3" name="テキスト プレースホルダー 2">
+            <a:extLst>
+              <a:ext uri="{FF2B5EF4-FFF2-40B4-BE49-F238E27FC236}">
+                <a16:creationId xmlns:a16="http://schemas.microsoft.com/office/drawing/2014/main" id="{13CC827E-3C02-497B-BB95-9696C94C4364}"/>
               </a:ext>
             </a:extLst>
           </p:cNvPr>
@@ -4838,54 +4842,6 @@
           </a:p>
         </p:txBody>
       </p:sp>
-      <p:sp>
-        <p:nvSpPr>
-          <p:cNvPr id="7" name="動作設定ボタン: 進む/次へ 6">
-            <a:hlinkClick r:id="rId3" highlightClick="1"/>
-            <a:hlinkHover r:id="rId3"/>
-            <a:extLst>
-              <a:ext uri="{FF2B5EF4-FFF2-40B4-BE49-F238E27FC236}">
-                <a16:creationId xmlns:a16="http://schemas.microsoft.com/office/drawing/2014/main" id="{4D095194-5FBE-4364-BDF2-C00C0C3D3461}"/>
-              </a:ext>
-            </a:extLst>
-          </p:cNvPr>
-          <p:cNvSpPr/>
-          <p:nvPr/>
-        </p:nvSpPr>
-        <p:spPr>
-          <a:xfrm>
-            <a:off x="8856617" y="5094514"/>
-            <a:ext cx="1358537" cy="1306286"/>
-          </a:xfrm>
-          <a:prstGeom prst="actionButtonForwardNext">
-            <a:avLst/>
-          </a:prstGeom>
-        </p:spPr>
-        <p:style>
-          <a:lnRef idx="2">
-            <a:schemeClr val="accent3">
-              <a:shade val="50000"/>
-            </a:schemeClr>
-          </a:lnRef>
-          <a:fillRef idx="1">
-            <a:schemeClr val="accent3"/>
-          </a:fillRef>
-          <a:effectRef idx="0">
-            <a:schemeClr val="accent3"/>
-          </a:effectRef>
-          <a:fontRef idx="minor">
-            <a:schemeClr val="lt1"/>
-          </a:fontRef>
-        </p:style>
-        <p:txBody>
-          <a:bodyPr rtlCol="0" anchor="ctr"/>
-          <a:lstStyle/>
-          <a:p>
-            <a:pPr algn="ctr"/>
-            <a:endParaRPr kumimoji="1" lang="ja-JP" altLang="en-US"/>
-          </a:p>
-        </p:txBody>
-      </p:sp>
     </p:spTree>
     <p:extLst>
       <p:ext uri="{BB962C8B-B14F-4D97-AF65-F5344CB8AC3E}">
@@ -4934,11 +4890,13 @@
         </p:nvSpPr>
         <p:spPr/>
         <p:txBody>
-          <a:bodyPr/>
-          <a:lstStyle/>
-          <a:p>
-            <a:r>
-              <a:rPr kumimoji="1" lang="ja-JP" altLang="en-US" dirty="0"/>
+          <a:bodyPr>
+            <a:normAutofit/>
+          </a:bodyPr>
+          <a:lstStyle/>
+          <a:p>
+            <a:r>
+              <a:rPr kumimoji="1" lang="ja-JP" altLang="en-US" sz="5400" dirty="0"/>
               <a:t>機能のまとめ</a:t>
             </a:r>
           </a:p>
@@ -4962,48 +4920,50 @@
         </p:nvSpPr>
         <p:spPr/>
         <p:txBody>
-          <a:bodyPr/>
-          <a:lstStyle/>
-          <a:p>
-            <a:r>
-              <a:rPr kumimoji="1" lang="ja-JP" altLang="en-US" dirty="0"/>
+          <a:bodyPr>
+            <a:normAutofit/>
+          </a:bodyPr>
+          <a:lstStyle/>
+          <a:p>
+            <a:r>
+              <a:rPr kumimoji="1" lang="ja-JP" altLang="en-US" sz="3600" dirty="0"/>
               <a:t>変わった趣味を投稿</a:t>
             </a:r>
-            <a:endParaRPr kumimoji="1" lang="en-US" altLang="ja-JP" dirty="0"/>
-          </a:p>
-          <a:p>
-            <a:endParaRPr kumimoji="1" lang="en-US" altLang="ja-JP" dirty="0"/>
-          </a:p>
-          <a:p>
-            <a:r>
-              <a:rPr kumimoji="1" lang="ja-JP" altLang="en-US" dirty="0"/>
+            <a:endParaRPr kumimoji="1" lang="en-US" altLang="ja-JP" sz="3600" dirty="0"/>
+          </a:p>
+          <a:p>
+            <a:endParaRPr kumimoji="1" lang="en-US" altLang="ja-JP" sz="3600" dirty="0"/>
+          </a:p>
+          <a:p>
+            <a:r>
+              <a:rPr kumimoji="1" lang="ja-JP" altLang="en-US" sz="3600" dirty="0"/>
               <a:t>変わった趣味の観覧</a:t>
             </a:r>
-            <a:endParaRPr kumimoji="1" lang="en-US" altLang="ja-JP" dirty="0"/>
-          </a:p>
-          <a:p>
-            <a:endParaRPr kumimoji="1" lang="en-US" altLang="ja-JP" dirty="0"/>
-          </a:p>
-          <a:p>
-            <a:r>
-              <a:rPr kumimoji="1" lang="ja-JP" altLang="en-US" dirty="0"/>
+            <a:endParaRPr kumimoji="1" lang="en-US" altLang="ja-JP" sz="3600" dirty="0"/>
+          </a:p>
+          <a:p>
+            <a:endParaRPr kumimoji="1" lang="en-US" altLang="ja-JP" sz="3600" dirty="0"/>
+          </a:p>
+          <a:p>
+            <a:r>
+              <a:rPr kumimoji="1" lang="ja-JP" altLang="en-US" sz="3600" dirty="0"/>
               <a:t>称号の収集</a:t>
             </a:r>
-            <a:endParaRPr kumimoji="1" lang="en-US" altLang="ja-JP" dirty="0"/>
-          </a:p>
-          <a:p>
-            <a:endParaRPr kumimoji="1" lang="en-US" altLang="ja-JP" dirty="0"/>
-          </a:p>
-          <a:p>
-            <a:r>
-              <a:rPr kumimoji="1" lang="en-US" altLang="ja-JP" dirty="0"/>
+            <a:endParaRPr kumimoji="1" lang="en-US" altLang="ja-JP" sz="3600" dirty="0"/>
+          </a:p>
+          <a:p>
+            <a:endParaRPr kumimoji="1" lang="en-US" altLang="ja-JP" sz="3600" dirty="0"/>
+          </a:p>
+          <a:p>
+            <a:r>
+              <a:rPr kumimoji="1" lang="en-US" altLang="ja-JP" sz="3600" dirty="0"/>
               <a:t>Twitter</a:t>
             </a:r>
             <a:r>
-              <a:rPr kumimoji="1" lang="ja-JP" altLang="en-US" dirty="0"/>
+              <a:rPr kumimoji="1" lang="ja-JP" altLang="en-US" sz="3600" dirty="0"/>
               <a:t>連携</a:t>
             </a:r>
-            <a:endParaRPr kumimoji="1" lang="en-US" altLang="ja-JP" dirty="0"/>
+            <a:endParaRPr kumimoji="1" lang="en-US" altLang="ja-JP" sz="3600" dirty="0"/>
           </a:p>
         </p:txBody>
       </p:sp>
@@ -5055,11 +5015,13 @@
         </p:nvSpPr>
         <p:spPr/>
         <p:txBody>
-          <a:bodyPr/>
-          <a:lstStyle/>
-          <a:p>
-            <a:r>
-              <a:rPr kumimoji="1" lang="ja-JP" altLang="en-US" dirty="0"/>
+          <a:bodyPr>
+            <a:normAutofit/>
+          </a:bodyPr>
+          <a:lstStyle/>
+          <a:p>
+            <a:r>
+              <a:rPr kumimoji="1" lang="ja-JP" altLang="en-US" sz="5400" dirty="0"/>
               <a:t>今後の展望</a:t>
             </a:r>
           </a:p>
@@ -5083,59 +5045,61 @@
         </p:nvSpPr>
         <p:spPr/>
         <p:txBody>
-          <a:bodyPr/>
-          <a:lstStyle/>
-          <a:p>
-            <a:r>
-              <a:rPr lang="ja-JP" altLang="en-US" dirty="0"/>
+          <a:bodyPr>
+            <a:normAutofit/>
+          </a:bodyPr>
+          <a:lstStyle/>
+          <a:p>
+            <a:r>
+              <a:rPr lang="ja-JP" altLang="en-US" sz="3200" dirty="0"/>
               <a:t>デイリーミッションの追加</a:t>
             </a:r>
-            <a:endParaRPr lang="en-US" altLang="ja-JP" dirty="0"/>
-          </a:p>
-          <a:p>
-            <a:endParaRPr lang="en-US" altLang="ja-JP" dirty="0"/>
-          </a:p>
-          <a:p>
-            <a:r>
-              <a:rPr lang="ja-JP" altLang="en-US" dirty="0"/>
+            <a:endParaRPr lang="en-US" altLang="ja-JP" sz="3200" dirty="0"/>
+          </a:p>
+          <a:p>
+            <a:endParaRPr lang="en-US" altLang="ja-JP" sz="3200" dirty="0"/>
+          </a:p>
+          <a:p>
+            <a:r>
+              <a:rPr lang="ja-JP" altLang="en-US" sz="3200" dirty="0"/>
               <a:t>趣味友トークルームの作成</a:t>
             </a:r>
-            <a:endParaRPr lang="en-US" altLang="ja-JP" dirty="0"/>
-          </a:p>
-          <a:p>
-            <a:endParaRPr lang="en-US" altLang="ja-JP" dirty="0"/>
-          </a:p>
-          <a:p>
-            <a:r>
-              <a:rPr lang="ja-JP" altLang="en-US" dirty="0"/>
+            <a:endParaRPr lang="en-US" altLang="ja-JP" sz="3200" dirty="0"/>
+          </a:p>
+          <a:p>
+            <a:endParaRPr lang="en-US" altLang="ja-JP" sz="3200" dirty="0"/>
+          </a:p>
+          <a:p>
+            <a:r>
+              <a:rPr lang="ja-JP" altLang="en-US" sz="3200" dirty="0"/>
               <a:t>称号獲得数によるランキングの企画</a:t>
             </a:r>
-            <a:endParaRPr lang="en-US" altLang="ja-JP" dirty="0"/>
-          </a:p>
-          <a:p>
-            <a:endParaRPr lang="en-US" altLang="ja-JP" dirty="0"/>
-          </a:p>
-          <a:p>
-            <a:r>
-              <a:rPr lang="ja-JP" altLang="en-US" dirty="0"/>
+            <a:endParaRPr lang="en-US" altLang="ja-JP" sz="3200" dirty="0"/>
+          </a:p>
+          <a:p>
+            <a:endParaRPr lang="en-US" altLang="ja-JP" sz="3200" dirty="0"/>
+          </a:p>
+          <a:p>
+            <a:r>
+              <a:rPr lang="ja-JP" altLang="en-US" sz="3200" dirty="0"/>
               <a:t>ピックアップ企画</a:t>
             </a:r>
-            <a:endParaRPr lang="en-US" altLang="ja-JP" dirty="0"/>
-          </a:p>
-          <a:p>
-            <a:endParaRPr lang="en-US" altLang="ja-JP" dirty="0"/>
-          </a:p>
-          <a:p>
-            <a:endParaRPr lang="en-US" altLang="ja-JP" dirty="0"/>
-          </a:p>
-          <a:p>
-            <a:endParaRPr lang="en-US" altLang="ja-JP" dirty="0"/>
-          </a:p>
-          <a:p>
-            <a:endParaRPr lang="en-US" altLang="ja-JP" dirty="0"/>
-          </a:p>
-          <a:p>
-            <a:endParaRPr kumimoji="1" lang="ja-JP" altLang="en-US" dirty="0"/>
+            <a:endParaRPr lang="en-US" altLang="ja-JP" sz="3200" dirty="0"/>
+          </a:p>
+          <a:p>
+            <a:endParaRPr lang="en-US" altLang="ja-JP" sz="3200" dirty="0"/>
+          </a:p>
+          <a:p>
+            <a:endParaRPr lang="en-US" altLang="ja-JP" sz="3200" dirty="0"/>
+          </a:p>
+          <a:p>
+            <a:endParaRPr lang="en-US" altLang="ja-JP" sz="3200" dirty="0"/>
+          </a:p>
+          <a:p>
+            <a:endParaRPr lang="en-US" altLang="ja-JP" sz="3200" dirty="0"/>
+          </a:p>
+          <a:p>
+            <a:endParaRPr kumimoji="1" lang="ja-JP" altLang="en-US" sz="3200" dirty="0"/>
           </a:p>
         </p:txBody>
       </p:sp>
